--- a/docs/lessons/1.3-mth161-r-and-r-studio/basic-parts-of-r-studio.pptx
+++ b/docs/lessons/1.3-mth161-r-and-r-studio/basic-parts-of-r-studio.pptx
@@ -243,7 +243,7 @@
           <a:p>
             <a:fld id="{4AEAE896-FE0A-44A7-8C3D-0612BC5F150D}" type="datetimeFigureOut">
               <a:rPr lang="en-US" smtClean="0"/>
-              <a:t>1/17/2025</a:t>
+              <a:t>1/21/2025</a:t>
             </a:fld>
             <a:endParaRPr lang="en-US"/>
           </a:p>
@@ -413,7 +413,7 @@
           <a:p>
             <a:fld id="{4AEAE896-FE0A-44A7-8C3D-0612BC5F150D}" type="datetimeFigureOut">
               <a:rPr lang="en-US" smtClean="0"/>
-              <a:t>1/17/2025</a:t>
+              <a:t>1/21/2025</a:t>
             </a:fld>
             <a:endParaRPr lang="en-US"/>
           </a:p>
@@ -593,7 +593,7 @@
           <a:p>
             <a:fld id="{4AEAE896-FE0A-44A7-8C3D-0612BC5F150D}" type="datetimeFigureOut">
               <a:rPr lang="en-US" smtClean="0"/>
-              <a:t>1/17/2025</a:t>
+              <a:t>1/21/2025</a:t>
             </a:fld>
             <a:endParaRPr lang="en-US"/>
           </a:p>
@@ -763,7 +763,7 @@
           <a:p>
             <a:fld id="{4AEAE896-FE0A-44A7-8C3D-0612BC5F150D}" type="datetimeFigureOut">
               <a:rPr lang="en-US" smtClean="0"/>
-              <a:t>1/17/2025</a:t>
+              <a:t>1/21/2025</a:t>
             </a:fld>
             <a:endParaRPr lang="en-US"/>
           </a:p>
@@ -1009,7 +1009,7 @@
           <a:p>
             <a:fld id="{4AEAE896-FE0A-44A7-8C3D-0612BC5F150D}" type="datetimeFigureOut">
               <a:rPr lang="en-US" smtClean="0"/>
-              <a:t>1/17/2025</a:t>
+              <a:t>1/21/2025</a:t>
             </a:fld>
             <a:endParaRPr lang="en-US"/>
           </a:p>
@@ -1241,7 +1241,7 @@
           <a:p>
             <a:fld id="{4AEAE896-FE0A-44A7-8C3D-0612BC5F150D}" type="datetimeFigureOut">
               <a:rPr lang="en-US" smtClean="0"/>
-              <a:t>1/17/2025</a:t>
+              <a:t>1/21/2025</a:t>
             </a:fld>
             <a:endParaRPr lang="en-US"/>
           </a:p>
@@ -1608,7 +1608,7 @@
           <a:p>
             <a:fld id="{4AEAE896-FE0A-44A7-8C3D-0612BC5F150D}" type="datetimeFigureOut">
               <a:rPr lang="en-US" smtClean="0"/>
-              <a:t>1/17/2025</a:t>
+              <a:t>1/21/2025</a:t>
             </a:fld>
             <a:endParaRPr lang="en-US"/>
           </a:p>
@@ -1726,7 +1726,7 @@
           <a:p>
             <a:fld id="{4AEAE896-FE0A-44A7-8C3D-0612BC5F150D}" type="datetimeFigureOut">
               <a:rPr lang="en-US" smtClean="0"/>
-              <a:t>1/17/2025</a:t>
+              <a:t>1/21/2025</a:t>
             </a:fld>
             <a:endParaRPr lang="en-US"/>
           </a:p>
@@ -1821,7 +1821,7 @@
           <a:p>
             <a:fld id="{4AEAE896-FE0A-44A7-8C3D-0612BC5F150D}" type="datetimeFigureOut">
               <a:rPr lang="en-US" smtClean="0"/>
-              <a:t>1/17/2025</a:t>
+              <a:t>1/21/2025</a:t>
             </a:fld>
             <a:endParaRPr lang="en-US"/>
           </a:p>
@@ -2098,7 +2098,7 @@
           <a:p>
             <a:fld id="{4AEAE896-FE0A-44A7-8C3D-0612BC5F150D}" type="datetimeFigureOut">
               <a:rPr lang="en-US" smtClean="0"/>
-              <a:t>1/17/2025</a:t>
+              <a:t>1/21/2025</a:t>
             </a:fld>
             <a:endParaRPr lang="en-US"/>
           </a:p>
@@ -2355,7 +2355,7 @@
           <a:p>
             <a:fld id="{4AEAE896-FE0A-44A7-8C3D-0612BC5F150D}" type="datetimeFigureOut">
               <a:rPr lang="en-US" smtClean="0"/>
-              <a:t>1/17/2025</a:t>
+              <a:t>1/21/2025</a:t>
             </a:fld>
             <a:endParaRPr lang="en-US"/>
           </a:p>
@@ -2568,7 +2568,7 @@
           <a:p>
             <a:fld id="{4AEAE896-FE0A-44A7-8C3D-0612BC5F150D}" type="datetimeFigureOut">
               <a:rPr lang="en-US" smtClean="0"/>
-              <a:t>1/17/2025</a:t>
+              <a:t>1/21/2025</a:t>
             </a:fld>
             <a:endParaRPr lang="en-US"/>
           </a:p>
@@ -3073,8 +3073,8 @@
         </p:nvSpPr>
         <p:spPr>
           <a:xfrm>
-            <a:off x="137651" y="5889523"/>
-            <a:ext cx="4621161" cy="830997"/>
+            <a:off x="17206" y="5889521"/>
+            <a:ext cx="4862052" cy="830997"/>
           </a:xfrm>
           <a:prstGeom prst="rect">
             <a:avLst/>
@@ -3092,6 +3092,8 @@
                 <a:solidFill>
                   <a:srgbClr val="C00000"/>
                 </a:solidFill>
+                <a:latin typeface="Arial" panose="020B0604020202020204" pitchFamily="34" charset="0"/>
+                <a:cs typeface="Arial" panose="020B0604020202020204" pitchFamily="34" charset="0"/>
               </a:rPr>
               <a:t>You can input R commands like a calculator on the console.</a:t>
             </a:r>
@@ -3117,7 +3119,7 @@
         <p:spPr>
           <a:xfrm flipH="1">
             <a:off x="2448232" y="5183004"/>
-            <a:ext cx="1" cy="706519"/>
+            <a:ext cx="1" cy="706517"/>
           </a:xfrm>
           <a:prstGeom prst="straightConnector1">
             <a:avLst/>
@@ -3126,7 +3128,8 @@
             <a:solidFill>
               <a:srgbClr val="C00000"/>
             </a:solidFill>
-            <a:tailEnd type="triangle"/>
+            <a:headEnd type="triangle" w="med" len="med"/>
+            <a:tailEnd type="none" w="med" len="med"/>
           </a:ln>
         </p:spPr>
         <p:style>
@@ -3208,8 +3211,8 @@
         </p:nvSpPr>
         <p:spPr>
           <a:xfrm>
-            <a:off x="5100483" y="5889522"/>
-            <a:ext cx="3937819" cy="830997"/>
+            <a:off x="4990013" y="5889522"/>
+            <a:ext cx="4176253" cy="830997"/>
           </a:xfrm>
           <a:prstGeom prst="rect">
             <a:avLst/>
@@ -3227,6 +3230,8 @@
                 <a:solidFill>
                   <a:srgbClr val="FFC000"/>
                 </a:solidFill>
+                <a:latin typeface="Arial" panose="020B0604020202020204" pitchFamily="34" charset="0"/>
+                <a:cs typeface="Arial" panose="020B0604020202020204" pitchFamily="34" charset="0"/>
               </a:rPr>
               <a:t>You can create documents in the file system.</a:t>
             </a:r>
@@ -3250,9 +3255,9 @@
           <p:nvPr/>
         </p:nvCxnSpPr>
         <p:spPr>
-          <a:xfrm flipH="1">
-            <a:off x="7069393" y="5183004"/>
-            <a:ext cx="4917" cy="706518"/>
+          <a:xfrm>
+            <a:off x="7074310" y="5183004"/>
+            <a:ext cx="3830" cy="706518"/>
           </a:xfrm>
           <a:prstGeom prst="straightConnector1">
             <a:avLst/>
@@ -3261,7 +3266,8 @@
             <a:solidFill>
               <a:srgbClr val="FFC000"/>
             </a:solidFill>
-            <a:tailEnd type="triangle"/>
+            <a:headEnd type="triangle" w="med" len="med"/>
+            <a:tailEnd type="none" w="med" len="med"/>
           </a:ln>
         </p:spPr>
         <p:style>
